--- a/Article/Spring/Spring_boot_rest_api_tutorial/img/img.pptx
+++ b/Article/Spring/Spring_boot_rest_api_tutorial/img/img.pptx
@@ -116,7 +116,18 @@
   </p:defaultTextStyle>
   <p:extLst>
     <p:ext uri="{EFAFB233-063F-42B5-8137-9DF3F51BA10A}">
-      <p15:sldGuideLst xmlns:p15="http://schemas.microsoft.com/office/powerpoint/2012/main"/>
+      <p15:sldGuideLst xmlns:p15="http://schemas.microsoft.com/office/powerpoint/2012/main">
+        <p15:guide id="1" orient="horz" pos="2160" userDrawn="1">
+          <p15:clr>
+            <a:srgbClr val="A4A3A4"/>
+          </p15:clr>
+        </p15:guide>
+        <p15:guide id="2" pos="3840" userDrawn="1">
+          <p15:clr>
+            <a:srgbClr val="A4A3A4"/>
+          </p15:clr>
+        </p15:guide>
+      </p15:sldGuideLst>
     </p:ext>
   </p:extLst>
 </p:presentation>
@@ -3382,6 +3393,14 @@
 <file path=ppt/slides/slide10.xml><?xml version="1.0" encoding="utf-8"?>
 <p:sld xmlns:a="http://schemas.openxmlformats.org/drawingml/2006/main" xmlns:r="http://schemas.openxmlformats.org/officeDocument/2006/relationships" xmlns:p="http://schemas.openxmlformats.org/presentationml/2006/main">
   <p:cSld>
+    <p:bg>
+      <p:bgPr>
+        <a:solidFill>
+          <a:srgbClr val="F9F8EF"/>
+        </a:solidFill>
+        <a:effectLst/>
+      </p:bgPr>
+    </p:bg>
     <p:spTree>
       <p:nvGrpSpPr>
         <p:cNvPr id="1" name=""/>
@@ -3396,6 +3415,289 @@
           <a:chExt cx="0" cy="0"/>
         </a:xfrm>
       </p:grpSpPr>
+      <p:pic>
+        <p:nvPicPr>
+          <p:cNvPr id="4" name="그림 3">
+            <a:extLst>
+              <a:ext uri="{FF2B5EF4-FFF2-40B4-BE49-F238E27FC236}">
+                <a16:creationId xmlns:a16="http://schemas.microsoft.com/office/drawing/2014/main" id="{49345BC8-B78B-DC4D-AE39-599DABAAA560}"/>
+              </a:ext>
+            </a:extLst>
+          </p:cNvPr>
+          <p:cNvPicPr>
+            <a:picLocks noChangeAspect="1"/>
+          </p:cNvPicPr>
+          <p:nvPr/>
+        </p:nvPicPr>
+        <p:blipFill>
+          <a:blip r:embed="rId2"/>
+          <a:stretch>
+            <a:fillRect/>
+          </a:stretch>
+        </p:blipFill>
+        <p:spPr>
+          <a:xfrm>
+            <a:off x="4632724" y="1964945"/>
+            <a:ext cx="2926551" cy="2928110"/>
+          </a:xfrm>
+          <a:prstGeom prst="rect">
+            <a:avLst/>
+          </a:prstGeom>
+        </p:spPr>
+      </p:pic>
+      <p:pic>
+        <p:nvPicPr>
+          <p:cNvPr id="6" name="그림 5">
+            <a:extLst>
+              <a:ext uri="{FF2B5EF4-FFF2-40B4-BE49-F238E27FC236}">
+                <a16:creationId xmlns:a16="http://schemas.microsoft.com/office/drawing/2014/main" id="{015EBF66-9B46-DA4E-8293-5A4F17864D45}"/>
+              </a:ext>
+            </a:extLst>
+          </p:cNvPr>
+          <p:cNvPicPr>
+            <a:picLocks noChangeAspect="1"/>
+          </p:cNvPicPr>
+          <p:nvPr/>
+        </p:nvPicPr>
+        <p:blipFill>
+          <a:blip r:embed="rId3"/>
+          <a:stretch>
+            <a:fillRect/>
+          </a:stretch>
+        </p:blipFill>
+        <p:spPr>
+          <a:xfrm rot="851951">
+            <a:off x="8207094" y="1516191"/>
+            <a:ext cx="1283506" cy="1283506"/>
+          </a:xfrm>
+          <a:prstGeom prst="rect">
+            <a:avLst/>
+          </a:prstGeom>
+        </p:spPr>
+      </p:pic>
+      <p:pic>
+        <p:nvPicPr>
+          <p:cNvPr id="21" name="그림 20">
+            <a:extLst>
+              <a:ext uri="{FF2B5EF4-FFF2-40B4-BE49-F238E27FC236}">
+                <a16:creationId xmlns:a16="http://schemas.microsoft.com/office/drawing/2014/main" id="{4DBD9538-A767-A449-B301-188486FEED8E}"/>
+              </a:ext>
+            </a:extLst>
+          </p:cNvPr>
+          <p:cNvPicPr>
+            <a:picLocks noChangeAspect="1"/>
+          </p:cNvPicPr>
+          <p:nvPr/>
+        </p:nvPicPr>
+        <p:blipFill>
+          <a:blip r:embed="rId4"/>
+          <a:stretch>
+            <a:fillRect/>
+          </a:stretch>
+        </p:blipFill>
+        <p:spPr>
+          <a:xfrm>
+            <a:off x="3319162" y="-750158"/>
+            <a:ext cx="660400" cy="647700"/>
+          </a:xfrm>
+          <a:prstGeom prst="rect">
+            <a:avLst/>
+          </a:prstGeom>
+        </p:spPr>
+      </p:pic>
+      <p:pic>
+        <p:nvPicPr>
+          <p:cNvPr id="23" name="그림 22">
+            <a:extLst>
+              <a:ext uri="{FF2B5EF4-FFF2-40B4-BE49-F238E27FC236}">
+                <a16:creationId xmlns:a16="http://schemas.microsoft.com/office/drawing/2014/main" id="{DB72B4A6-256E-DD4B-A9B2-1FF46D3A40C1}"/>
+              </a:ext>
+            </a:extLst>
+          </p:cNvPr>
+          <p:cNvPicPr>
+            <a:picLocks noChangeAspect="1"/>
+          </p:cNvPicPr>
+          <p:nvPr/>
+        </p:nvPicPr>
+        <p:blipFill>
+          <a:blip r:embed="rId5"/>
+          <a:stretch>
+            <a:fillRect/>
+          </a:stretch>
+        </p:blipFill>
+        <p:spPr>
+          <a:xfrm>
+            <a:off x="3855942" y="-1087395"/>
+            <a:ext cx="576506" cy="506627"/>
+          </a:xfrm>
+          <a:prstGeom prst="rect">
+            <a:avLst/>
+          </a:prstGeom>
+        </p:spPr>
+      </p:pic>
+      <p:sp>
+        <p:nvSpPr>
+          <p:cNvPr id="26" name="TextBox 25">
+            <a:extLst>
+              <a:ext uri="{FF2B5EF4-FFF2-40B4-BE49-F238E27FC236}">
+                <a16:creationId xmlns:a16="http://schemas.microsoft.com/office/drawing/2014/main" id="{A02E2940-BDF4-CC46-8FB1-007A0DAF397F}"/>
+              </a:ext>
+            </a:extLst>
+          </p:cNvPr>
+          <p:cNvSpPr txBox="1"/>
+          <p:nvPr/>
+        </p:nvSpPr>
+        <p:spPr>
+          <a:xfrm>
+            <a:off x="3732724" y="5103340"/>
+            <a:ext cx="4726550" cy="584775"/>
+          </a:xfrm>
+          <a:prstGeom prst="rect">
+            <a:avLst/>
+          </a:prstGeom>
+          <a:noFill/>
+        </p:spPr>
+        <p:txBody>
+          <a:bodyPr wrap="square" rtlCol="0">
+            <a:spAutoFit/>
+          </a:bodyPr>
+          <a:lstStyle/>
+          <a:p>
+            <a:pPr algn="ctr"/>
+            <a:r>
+              <a:rPr kumimoji="1" lang="en-US" altLang="ko-KR" sz="3200" b="1" dirty="0">
+                <a:latin typeface="Noto Sans KR" panose="020B0500000000000000" pitchFamily="34" charset="-128"/>
+                <a:ea typeface="Noto Sans KR" panose="020B0500000000000000" pitchFamily="34" charset="-128"/>
+              </a:rPr>
+              <a:t>Spring Boot REST API</a:t>
+            </a:r>
+          </a:p>
+        </p:txBody>
+      </p:sp>
+      <p:pic>
+        <p:nvPicPr>
+          <p:cNvPr id="8194" name="Picture 2" descr="Spigradle - 더이상 plugin.yml 을 수동으로 만들지 마세요! - 개발자 강좌 - 한국 마인크래프트 포럼">
+            <a:extLst>
+              <a:ext uri="{FF2B5EF4-FFF2-40B4-BE49-F238E27FC236}">
+                <a16:creationId xmlns:a16="http://schemas.microsoft.com/office/drawing/2014/main" id="{A03BCEA3-6174-9549-9CD3-516471F8964B}"/>
+              </a:ext>
+            </a:extLst>
+          </p:cNvPr>
+          <p:cNvPicPr>
+            <a:picLocks noChangeAspect="1" noChangeArrowheads="1"/>
+          </p:cNvPicPr>
+          <p:nvPr/>
+        </p:nvPicPr>
+        <p:blipFill>
+          <a:blip r:embed="rId6">
+            <a:extLst>
+              <a:ext uri="{28A0092B-C50C-407E-A947-70E740481C1C}">
+                <a14:useLocalDpi xmlns:a14="http://schemas.microsoft.com/office/drawing/2010/main" val="0"/>
+              </a:ext>
+            </a:extLst>
+          </a:blip>
+          <a:srcRect/>
+          <a:stretch>
+            <a:fillRect/>
+          </a:stretch>
+        </p:blipFill>
+        <p:spPr bwMode="auto">
+          <a:xfrm rot="18310167">
+            <a:off x="4162468" y="1899483"/>
+            <a:ext cx="1000897" cy="1000897"/>
+          </a:xfrm>
+          <a:prstGeom prst="rect">
+            <a:avLst/>
+          </a:prstGeom>
+          <a:noFill/>
+          <a:extLst>
+            <a:ext uri="{909E8E84-426E-40DD-AFC4-6F175D3DCCD1}">
+              <a14:hiddenFill xmlns:a14="http://schemas.microsoft.com/office/drawing/2010/main">
+                <a:solidFill>
+                  <a:srgbClr val="FFFFFF"/>
+                </a:solidFill>
+              </a14:hiddenFill>
+            </a:ext>
+          </a:extLst>
+        </p:spPr>
+      </p:pic>
+      <p:pic>
+        <p:nvPicPr>
+          <p:cNvPr id="28" name="그림 27">
+            <a:extLst>
+              <a:ext uri="{FF2B5EF4-FFF2-40B4-BE49-F238E27FC236}">
+                <a16:creationId xmlns:a16="http://schemas.microsoft.com/office/drawing/2014/main" id="{00A46A5E-B3AE-6B49-BA9D-211B85C5351A}"/>
+              </a:ext>
+            </a:extLst>
+          </p:cNvPr>
+          <p:cNvPicPr>
+            <a:picLocks noChangeAspect="1"/>
+          </p:cNvPicPr>
+          <p:nvPr/>
+        </p:nvPicPr>
+        <p:blipFill rotWithShape="1">
+          <a:blip r:embed="rId7"/>
+          <a:srcRect r="-1254" b="21930"/>
+          <a:stretch/>
+        </p:blipFill>
+        <p:spPr>
+          <a:xfrm rot="5400000">
+            <a:off x="7071639" y="3692361"/>
+            <a:ext cx="1236605" cy="953465"/>
+          </a:xfrm>
+          <a:prstGeom prst="rect">
+            <a:avLst/>
+          </a:prstGeom>
+        </p:spPr>
+      </p:pic>
+      <p:pic>
+        <p:nvPicPr>
+          <p:cNvPr id="8198" name="Picture 6" descr="스프링 부트의 의존성 관리(Dependency Management)">
+            <a:extLst>
+              <a:ext uri="{FF2B5EF4-FFF2-40B4-BE49-F238E27FC236}">
+                <a16:creationId xmlns:a16="http://schemas.microsoft.com/office/drawing/2014/main" id="{76FC3D80-A636-A945-894B-DF3CB5DE6EB6}"/>
+              </a:ext>
+            </a:extLst>
+          </p:cNvPr>
+          <p:cNvPicPr>
+            <a:picLocks noChangeAspect="1" noChangeArrowheads="1"/>
+          </p:cNvPicPr>
+          <p:nvPr/>
+        </p:nvPicPr>
+        <p:blipFill>
+          <a:blip r:embed="rId8">
+            <a:biLevel thresh="75000"/>
+            <a:extLst>
+              <a:ext uri="{28A0092B-C50C-407E-A947-70E740481C1C}">
+                <a14:useLocalDpi xmlns:a14="http://schemas.microsoft.com/office/drawing/2010/main" val="0"/>
+              </a:ext>
+            </a:extLst>
+          </a:blip>
+          <a:srcRect/>
+          <a:stretch>
+            <a:fillRect/>
+          </a:stretch>
+        </p:blipFill>
+        <p:spPr bwMode="auto">
+          <a:xfrm rot="20615812">
+            <a:off x="6181188" y="996585"/>
+            <a:ext cx="1684526" cy="1684526"/>
+          </a:xfrm>
+          <a:prstGeom prst="rect">
+            <a:avLst/>
+          </a:prstGeom>
+          <a:noFill/>
+          <a:extLst>
+            <a:ext uri="{909E8E84-426E-40DD-AFC4-6F175D3DCCD1}">
+              <a14:hiddenFill xmlns:a14="http://schemas.microsoft.com/office/drawing/2010/main">
+                <a:solidFill>
+                  <a:srgbClr val="FFFFFF"/>
+                </a:solidFill>
+              </a14:hiddenFill>
+            </a:ext>
+          </a:extLst>
+        </p:spPr>
+      </p:pic>
     </p:spTree>
     <p:extLst>
       <p:ext uri="{BB962C8B-B14F-4D97-AF65-F5344CB8AC3E}">
